--- a/content/talks/Financial Economics Seminar 2023/files/costly-search_tournaments-and-temptations.pptx
+++ b/content/talks/Financial Economics Seminar 2023/files/costly-search_tournaments-and-temptations.pptx
@@ -134,8 +134,7 @@
 <file path=ppt/revisionInfo.xml><?xml version="1.0" encoding="utf-8"?>
 <p1510:revInfo xmlns:a="http://schemas.openxmlformats.org/drawingml/2006/main" xmlns:r="http://schemas.openxmlformats.org/officeDocument/2006/relationships" xmlns:p1510="http://schemas.microsoft.com/office/powerpoint/2015/10/main">
   <p1510:revLst>
-    <p1510:client id="{D7C0950A-19E9-4037-853B-C8B9279521A4}" v="16" dt="2023-01-27T05:28:55.976"/>
-    <p1510:client id="{F6095CD8-D64B-4EBA-9F5C-CE41BB583878}" v="811" dt="2023-01-27T21:34:57.932"/>
+    <p1510:client id="{10D63143-562B-4AE0-8ED7-084B40E68176}" v="2" dt="2023-01-31T17:51:46.397"/>
   </p1510:revLst>
 </p1510:revInfo>
 </file>
@@ -1357,6 +1356,91 @@
             <ac:picMk id="4" creationId="{503AFAD4-BE57-D8B2-30BF-264DA8811200}"/>
           </ac:picMkLst>
         </pc:picChg>
+      </pc:sldChg>
+    </pc:docChg>
+  </pc:docChgLst>
+  <pc:docChgLst>
+    <pc:chgData name="Bozman, Adam Nathaniel" userId="f0638ef9-1deb-4360-a9b3-4111be3bf51a" providerId="ADAL" clId="{10D63143-562B-4AE0-8ED7-084B40E68176}"/>
+    <pc:docChg chg="custSel modSld">
+      <pc:chgData name="Bozman, Adam Nathaniel" userId="f0638ef9-1deb-4360-a9b3-4111be3bf51a" providerId="ADAL" clId="{10D63143-562B-4AE0-8ED7-084B40E68176}" dt="2023-01-31T17:52:21.219" v="116" actId="1076"/>
+      <pc:docMkLst>
+        <pc:docMk/>
+      </pc:docMkLst>
+      <pc:sldChg chg="modSp mod">
+        <pc:chgData name="Bozman, Adam Nathaniel" userId="f0638ef9-1deb-4360-a9b3-4111be3bf51a" providerId="ADAL" clId="{10D63143-562B-4AE0-8ED7-084B40E68176}" dt="2023-01-31T17:47:02.133" v="11" actId="113"/>
+        <pc:sldMkLst>
+          <pc:docMk/>
+          <pc:sldMk cId="1655046047" sldId="282"/>
+        </pc:sldMkLst>
+        <pc:spChg chg="mod">
+          <ac:chgData name="Bozman, Adam Nathaniel" userId="f0638ef9-1deb-4360-a9b3-4111be3bf51a" providerId="ADAL" clId="{10D63143-562B-4AE0-8ED7-084B40E68176}" dt="2023-01-31T17:47:02.133" v="11" actId="113"/>
+          <ac:spMkLst>
+            <pc:docMk/>
+            <pc:sldMk cId="1655046047" sldId="282"/>
+            <ac:spMk id="6" creationId="{EEF0D0AF-BA9D-BA4C-AB3F-F8D9E7955440}"/>
+          </ac:spMkLst>
+        </pc:spChg>
+      </pc:sldChg>
+      <pc:sldChg chg="addSp modSp mod">
+        <pc:chgData name="Bozman, Adam Nathaniel" userId="f0638ef9-1deb-4360-a9b3-4111be3bf51a" providerId="ADAL" clId="{10D63143-562B-4AE0-8ED7-084B40E68176}" dt="2023-01-31T17:52:21.219" v="116" actId="1076"/>
+        <pc:sldMkLst>
+          <pc:docMk/>
+          <pc:sldMk cId="1329102431" sldId="284"/>
+        </pc:sldMkLst>
+        <pc:spChg chg="mod">
+          <ac:chgData name="Bozman, Adam Nathaniel" userId="f0638ef9-1deb-4360-a9b3-4111be3bf51a" providerId="ADAL" clId="{10D63143-562B-4AE0-8ED7-084B40E68176}" dt="2023-01-31T17:49:08.161" v="14" actId="115"/>
+          <ac:spMkLst>
+            <pc:docMk/>
+            <pc:sldMk cId="1329102431" sldId="284"/>
+            <ac:spMk id="6" creationId="{EEF0D0AF-BA9D-BA4C-AB3F-F8D9E7955440}"/>
+          </ac:spMkLst>
+        </pc:spChg>
+        <pc:spChg chg="add mod">
+          <ac:chgData name="Bozman, Adam Nathaniel" userId="f0638ef9-1deb-4360-a9b3-4111be3bf51a" providerId="ADAL" clId="{10D63143-562B-4AE0-8ED7-084B40E68176}" dt="2023-01-31T17:52:21.219" v="116" actId="1076"/>
+          <ac:spMkLst>
+            <pc:docMk/>
+            <pc:sldMk cId="1329102431" sldId="284"/>
+            <ac:spMk id="10" creationId="{92265964-7F8F-4FE4-C714-BA80A2D49CBB}"/>
+          </ac:spMkLst>
+        </pc:spChg>
+        <pc:spChg chg="add mod">
+          <ac:chgData name="Bozman, Adam Nathaniel" userId="f0638ef9-1deb-4360-a9b3-4111be3bf51a" providerId="ADAL" clId="{10D63143-562B-4AE0-8ED7-084B40E68176}" dt="2023-01-31T17:52:16.157" v="115" actId="114"/>
+          <ac:spMkLst>
+            <pc:docMk/>
+            <pc:sldMk cId="1329102431" sldId="284"/>
+            <ac:spMk id="17" creationId="{0BCA0600-FBBD-B1FD-6701-39851E620360}"/>
+          </ac:spMkLst>
+        </pc:spChg>
+      </pc:sldChg>
+      <pc:sldChg chg="modSp mod">
+        <pc:chgData name="Bozman, Adam Nathaniel" userId="f0638ef9-1deb-4360-a9b3-4111be3bf51a" providerId="ADAL" clId="{10D63143-562B-4AE0-8ED7-084B40E68176}" dt="2023-01-31T17:26:34.458" v="1" actId="20577"/>
+        <pc:sldMkLst>
+          <pc:docMk/>
+          <pc:sldMk cId="1068131191" sldId="288"/>
+        </pc:sldMkLst>
+        <pc:spChg chg="mod">
+          <ac:chgData name="Bozman, Adam Nathaniel" userId="f0638ef9-1deb-4360-a9b3-4111be3bf51a" providerId="ADAL" clId="{10D63143-562B-4AE0-8ED7-084B40E68176}" dt="2023-01-31T17:26:34.458" v="1" actId="20577"/>
+          <ac:spMkLst>
+            <pc:docMk/>
+            <pc:sldMk cId="1068131191" sldId="288"/>
+            <ac:spMk id="6" creationId="{EEF0D0AF-BA9D-BA4C-AB3F-F8D9E7955440}"/>
+          </ac:spMkLst>
+        </pc:spChg>
+      </pc:sldChg>
+      <pc:sldChg chg="modSp mod">
+        <pc:chgData name="Bozman, Adam Nathaniel" userId="f0638ef9-1deb-4360-a9b3-4111be3bf51a" providerId="ADAL" clId="{10D63143-562B-4AE0-8ED7-084B40E68176}" dt="2023-01-31T17:22:42.854" v="0" actId="20577"/>
+        <pc:sldMkLst>
+          <pc:docMk/>
+          <pc:sldMk cId="2426624198" sldId="292"/>
+        </pc:sldMkLst>
+        <pc:spChg chg="mod">
+          <ac:chgData name="Bozman, Adam Nathaniel" userId="f0638ef9-1deb-4360-a9b3-4111be3bf51a" providerId="ADAL" clId="{10D63143-562B-4AE0-8ED7-084B40E68176}" dt="2023-01-31T17:22:42.854" v="0" actId="20577"/>
+          <ac:spMkLst>
+            <pc:docMk/>
+            <pc:sldMk cId="2426624198" sldId="292"/>
+            <ac:spMk id="6" creationId="{EEF0D0AF-BA9D-BA4C-AB3F-F8D9E7955440}"/>
+          </ac:spMkLst>
+        </pc:spChg>
       </pc:sldChg>
     </pc:docChg>
   </pc:docChgLst>
@@ -10415,7 +10499,7 @@
           <a:p>
             <a:fld id="{91F9259A-1FE3-4FF9-8A07-BDD8177164ED}" type="datetime4">
               <a:rPr lang="en-US" smtClean="0"/>
-              <a:t>January 27, 2023</a:t>
+              <a:t>January 31, 2023</a:t>
             </a:fld>
             <a:endParaRPr lang="en-US"/>
           </a:p>
@@ -10585,7 +10669,7 @@
           <a:p>
             <a:fld id="{E5CC3C8F-D4A7-4EAD-92AD-82C91CB8BB85}" type="datetime4">
               <a:rPr lang="en-US" smtClean="0"/>
-              <a:t>January 27, 2023</a:t>
+              <a:t>January 31, 2023</a:t>
             </a:fld>
             <a:endParaRPr lang="en-US"/>
           </a:p>
@@ -10765,7 +10849,7 @@
           <a:p>
             <a:fld id="{BC011D41-E33C-4BC7-8272-37E8417FD097}" type="datetime4">
               <a:rPr lang="en-US" smtClean="0"/>
-              <a:t>January 27, 2023</a:t>
+              <a:t>January 31, 2023</a:t>
             </a:fld>
             <a:endParaRPr lang="en-US"/>
           </a:p>
@@ -10935,7 +11019,7 @@
           <a:p>
             <a:fld id="{5D340FED-6E95-4177-A7EF-CD303B9E611D}" type="datetime4">
               <a:rPr lang="en-US" smtClean="0"/>
-              <a:t>January 27, 2023</a:t>
+              <a:t>January 31, 2023</a:t>
             </a:fld>
             <a:endParaRPr lang="en-US"/>
           </a:p>
@@ -11181,7 +11265,7 @@
           <a:p>
             <a:fld id="{477962CB-39AD-45A9-800F-54DAB53D6021}" type="datetime4">
               <a:rPr lang="en-US" smtClean="0"/>
-              <a:t>January 27, 2023</a:t>
+              <a:t>January 31, 2023</a:t>
             </a:fld>
             <a:endParaRPr lang="en-US"/>
           </a:p>
@@ -11413,7 +11497,7 @@
           <a:p>
             <a:fld id="{2DEDF93D-55AB-4606-B9D7-742F1FC51983}" type="datetime4">
               <a:rPr lang="en-US" smtClean="0"/>
-              <a:t>January 27, 2023</a:t>
+              <a:t>January 31, 2023</a:t>
             </a:fld>
             <a:endParaRPr lang="en-US" dirty="0"/>
           </a:p>
@@ -11781,7 +11865,7 @@
             <a:fld id="{A33960BD-7AC1-4217-9611-AAA56D3EE38F}" type="datetime4">
               <a:rPr lang="en-US" smtClean="0"/>
               <a:pPr/>
-              <a:t>January 27, 2023</a:t>
+              <a:t>January 31, 2023</a:t>
             </a:fld>
             <a:endParaRPr lang="en-US" dirty="0">
               <a:latin typeface="+mn-lt"/>
@@ -11907,7 +11991,7 @@
           <a:p>
             <a:fld id="{118537E9-D174-424D-BEE8-AFC4CA5F9F97}" type="datetime4">
               <a:rPr lang="en-US" smtClean="0"/>
-              <a:t>January 27, 2023</a:t>
+              <a:t>January 31, 2023</a:t>
             </a:fld>
             <a:endParaRPr lang="en-US"/>
           </a:p>
@@ -12002,7 +12086,7 @@
           <a:p>
             <a:fld id="{1C7A44C0-F7AC-49C2-8289-1E7A86D9FB50}" type="datetime4">
               <a:rPr lang="en-US" smtClean="0"/>
-              <a:t>January 27, 2023</a:t>
+              <a:t>January 31, 2023</a:t>
             </a:fld>
             <a:endParaRPr lang="en-US"/>
           </a:p>
@@ -12279,7 +12363,7 @@
           <a:p>
             <a:fld id="{73BB84BC-6E78-40D1-8831-40AB1F596614}" type="datetime4">
               <a:rPr lang="en-US" smtClean="0"/>
-              <a:t>January 27, 2023</a:t>
+              <a:t>January 31, 2023</a:t>
             </a:fld>
             <a:endParaRPr lang="en-US"/>
           </a:p>
@@ -12536,7 +12620,7 @@
           <a:p>
             <a:fld id="{ADFA080F-3961-4D42-BEDE-84A1FED032F1}" type="datetime4">
               <a:rPr lang="en-US" smtClean="0"/>
-              <a:t>January 27, 2023</a:t>
+              <a:t>January 31, 2023</a:t>
             </a:fld>
             <a:endParaRPr lang="en-US"/>
           </a:p>
@@ -12770,7 +12854,7 @@
             <a:fld id="{A33960BD-7AC1-4217-9611-AAA56D3EE38F}" type="datetime4">
               <a:rPr lang="en-US" smtClean="0"/>
               <a:pPr/>
-              <a:t>January 27, 2023</a:t>
+              <a:t>January 31, 2023</a:t>
             </a:fld>
             <a:endParaRPr lang="en-US" dirty="0">
               <a:latin typeface="+mn-lt"/>
@@ -21308,7 +21392,7 @@
               <a:buChar char="ü"/>
             </a:pPr>
             <a:r>
-              <a:rPr lang="en-US" sz="1800" dirty="0">
+              <a:rPr lang="en-US" sz="1800" b="1" dirty="0">
                 <a:solidFill>
                   <a:schemeClr val="bg2">
                     <a:lumMod val="25000"/>
@@ -21316,7 +21400,73 @@
                 </a:solidFill>
                 <a:latin typeface="Corbel" panose="020B0503020204020204" pitchFamily="34" charset="0"/>
               </a:rPr>
-              <a:t>Subgroups are created of interim winners and losers according to a fund’s relative return performance between January and month, M for each fund, j, in a given year, y</a:t>
+              <a:t>Subgroups are created of interim winners and losers </a:t>
+            </a:r>
+            <a:r>
+              <a:rPr lang="en-US" sz="1800" dirty="0">
+                <a:solidFill>
+                  <a:schemeClr val="bg2">
+                    <a:lumMod val="25000"/>
+                  </a:schemeClr>
+                </a:solidFill>
+                <a:latin typeface="Corbel" panose="020B0503020204020204" pitchFamily="34" charset="0"/>
+              </a:rPr>
+              <a:t>according to a fund’s relative return performance between January and month, </a:t>
+            </a:r>
+            <a:r>
+              <a:rPr lang="en-US" sz="1800" i="1" dirty="0">
+                <a:solidFill>
+                  <a:schemeClr val="bg2">
+                    <a:lumMod val="25000"/>
+                  </a:schemeClr>
+                </a:solidFill>
+                <a:latin typeface="Corbel" panose="020B0503020204020204" pitchFamily="34" charset="0"/>
+              </a:rPr>
+              <a:t>M</a:t>
+            </a:r>
+            <a:r>
+              <a:rPr lang="en-US" sz="1800" dirty="0">
+                <a:solidFill>
+                  <a:schemeClr val="bg2">
+                    <a:lumMod val="25000"/>
+                  </a:schemeClr>
+                </a:solidFill>
+                <a:latin typeface="Corbel" panose="020B0503020204020204" pitchFamily="34" charset="0"/>
+              </a:rPr>
+              <a:t> for each fund,</a:t>
+            </a:r>
+            <a:r>
+              <a:rPr lang="en-US" sz="1800" i="1" dirty="0">
+                <a:solidFill>
+                  <a:schemeClr val="bg2">
+                    <a:lumMod val="25000"/>
+                  </a:schemeClr>
+                </a:solidFill>
+                <a:latin typeface="Corbel" panose="020B0503020204020204" pitchFamily="34" charset="0"/>
+              </a:rPr>
+              <a:t> j</a:t>
+            </a:r>
+            <a:r>
+              <a:rPr lang="en-US" sz="1800" dirty="0">
+                <a:solidFill>
+                  <a:schemeClr val="bg2">
+                    <a:lumMod val="25000"/>
+                  </a:schemeClr>
+                </a:solidFill>
+                <a:latin typeface="Corbel" panose="020B0503020204020204" pitchFamily="34" charset="0"/>
+              </a:rPr>
+              <a:t>, in a given year,</a:t>
+            </a:r>
+            <a:r>
+              <a:rPr lang="en-US" sz="1800" i="1" dirty="0">
+                <a:solidFill>
+                  <a:schemeClr val="bg2">
+                    <a:lumMod val="25000"/>
+                  </a:schemeClr>
+                </a:solidFill>
+                <a:latin typeface="Corbel" panose="020B0503020204020204" pitchFamily="34" charset="0"/>
+              </a:rPr>
+              <a:t> y</a:t>
             </a:r>
           </a:p>
           <a:p>
@@ -21336,7 +21486,40 @@
                 </a:solidFill>
                 <a:latin typeface="Corbel" panose="020B0503020204020204" pitchFamily="34" charset="0"/>
               </a:rPr>
-              <a:t>Authors then calculate the M-month cumulative returns</a:t>
+              <a:t>Authors then </a:t>
+            </a:r>
+            <a:r>
+              <a:rPr lang="en-US" sz="1800" b="1" dirty="0">
+                <a:solidFill>
+                  <a:schemeClr val="bg2">
+                    <a:lumMod val="25000"/>
+                  </a:schemeClr>
+                </a:solidFill>
+                <a:latin typeface="Corbel" panose="020B0503020204020204" pitchFamily="34" charset="0"/>
+              </a:rPr>
+              <a:t>calculate the </a:t>
+            </a:r>
+            <a:r>
+              <a:rPr lang="en-US" sz="1800" b="1" i="1" dirty="0">
+                <a:solidFill>
+                  <a:schemeClr val="bg2">
+                    <a:lumMod val="25000"/>
+                  </a:schemeClr>
+                </a:solidFill>
+                <a:latin typeface="Corbel" panose="020B0503020204020204" pitchFamily="34" charset="0"/>
+              </a:rPr>
+              <a:t>M</a:t>
+            </a:r>
+            <a:r>
+              <a:rPr lang="en-US" sz="1800" b="1" dirty="0">
+                <a:solidFill>
+                  <a:schemeClr val="bg2">
+                    <a:lumMod val="25000"/>
+                  </a:schemeClr>
+                </a:solidFill>
+                <a:latin typeface="Corbel" panose="020B0503020204020204" pitchFamily="34" charset="0"/>
+              </a:rPr>
+              <a:t>-month cumulative returns</a:t>
             </a:r>
           </a:p>
           <a:p>
@@ -21356,7 +21539,29 @@
                 </a:solidFill>
                 <a:latin typeface="Corbel" panose="020B0503020204020204" pitchFamily="34" charset="0"/>
               </a:rPr>
-              <a:t>Then, authors construct a variable of fund volatility measured before and after the interim assessment period</a:t>
+              <a:t>Then, </a:t>
+            </a:r>
+            <a:r>
+              <a:rPr lang="en-US" sz="1800" b="1" dirty="0">
+                <a:solidFill>
+                  <a:schemeClr val="bg2">
+                    <a:lumMod val="25000"/>
+                  </a:schemeClr>
+                </a:solidFill>
+                <a:latin typeface="Corbel" panose="020B0503020204020204" pitchFamily="34" charset="0"/>
+              </a:rPr>
+              <a:t>authors construct a variable of fund volatility </a:t>
+            </a:r>
+            <a:r>
+              <a:rPr lang="en-US" sz="1800" dirty="0">
+                <a:solidFill>
+                  <a:schemeClr val="bg2">
+                    <a:lumMod val="25000"/>
+                  </a:schemeClr>
+                </a:solidFill>
+                <a:latin typeface="Corbel" panose="020B0503020204020204" pitchFamily="34" charset="0"/>
+              </a:rPr>
+              <a:t>measured before and after the interim assessment period</a:t>
             </a:r>
           </a:p>
         </p:txBody>
@@ -23103,7 +23308,40 @@
                 </a:solidFill>
                 <a:latin typeface="Corbel" panose="020B0503020204020204" pitchFamily="34" charset="0"/>
               </a:rPr>
-              <a:t>(completely turning over existing security holdings or altering the entire fund synthetically with derivative positions)</a:t>
+              <a:t>(completely turning over existing security holdings </a:t>
+            </a:r>
+            <a:r>
+              <a:rPr lang="en-US" sz="1800" b="1" i="1" u="sng" dirty="0">
+                <a:solidFill>
+                  <a:schemeClr val="bg2">
+                    <a:lumMod val="25000"/>
+                  </a:schemeClr>
+                </a:solidFill>
+                <a:latin typeface="Corbel" panose="020B0503020204020204" pitchFamily="34" charset="0"/>
+              </a:rPr>
+              <a:t>or</a:t>
+            </a:r>
+            <a:r>
+              <a:rPr lang="en-US" sz="1800" b="1" i="1" dirty="0">
+                <a:solidFill>
+                  <a:schemeClr val="bg2">
+                    <a:lumMod val="25000"/>
+                  </a:schemeClr>
+                </a:solidFill>
+                <a:latin typeface="Corbel" panose="020B0503020204020204" pitchFamily="34" charset="0"/>
+              </a:rPr>
+              <a:t> </a:t>
+            </a:r>
+            <a:r>
+              <a:rPr lang="en-US" sz="1800" dirty="0">
+                <a:solidFill>
+                  <a:schemeClr val="bg2">
+                    <a:lumMod val="25000"/>
+                  </a:schemeClr>
+                </a:solidFill>
+                <a:latin typeface="Corbel" panose="020B0503020204020204" pitchFamily="34" charset="0"/>
+              </a:rPr>
+              <a:t>altering the entire fund synthetically with derivative positions)</a:t>
             </a:r>
           </a:p>
           <a:p>
@@ -24434,6 +24672,266 @@
                 <a:latin typeface="Corbel" panose="020B0503020204020204" pitchFamily="34" charset="0"/>
               </a:rPr>
               <a:t>(lower return funds altering portfolio risk to a greater degree).</a:t>
+            </a:r>
+          </a:p>
+        </p:txBody>
+      </p:sp>
+      <p:sp>
+        <p:nvSpPr>
+          <p:cNvPr id="10" name="Left Brace 9">
+            <a:extLst>
+              <a:ext uri="{FF2B5EF4-FFF2-40B4-BE49-F238E27FC236}">
+                <a16:creationId xmlns:a16="http://schemas.microsoft.com/office/drawing/2014/main" id="{92265964-7F8F-4FE4-C714-BA80A2D49CBB}"/>
+              </a:ext>
+            </a:extLst>
+          </p:cNvPr>
+          <p:cNvSpPr/>
+          <p:nvPr/>
+        </p:nvSpPr>
+        <p:spPr>
+          <a:xfrm rot="16200000">
+            <a:off x="6135942" y="1223647"/>
+            <a:ext cx="173401" cy="9610044"/>
+          </a:xfrm>
+          <a:prstGeom prst="leftBrace">
+            <a:avLst/>
+          </a:prstGeom>
+          <a:ln>
+            <a:solidFill>
+              <a:srgbClr val="DA0605"/>
+            </a:solidFill>
+          </a:ln>
+        </p:spPr>
+        <p:style>
+          <a:lnRef idx="1">
+            <a:schemeClr val="accent1"/>
+          </a:lnRef>
+          <a:fillRef idx="0">
+            <a:schemeClr val="accent1"/>
+          </a:fillRef>
+          <a:effectRef idx="0">
+            <a:schemeClr val="accent1"/>
+          </a:effectRef>
+          <a:fontRef idx="minor">
+            <a:schemeClr val="tx1"/>
+          </a:fontRef>
+        </p:style>
+        <p:txBody>
+          <a:bodyPr rtlCol="0" anchor="ctr"/>
+          <a:lstStyle/>
+          <a:p>
+            <a:pPr algn="ctr"/>
+            <a:endParaRPr lang="en-US"/>
+          </a:p>
+        </p:txBody>
+      </p:sp>
+      <p:sp>
+        <p:nvSpPr>
+          <p:cNvPr id="17" name="Subtitle 2">
+            <a:extLst>
+              <a:ext uri="{FF2B5EF4-FFF2-40B4-BE49-F238E27FC236}">
+                <a16:creationId xmlns:a16="http://schemas.microsoft.com/office/drawing/2014/main" id="{0BCA0600-FBBD-B1FD-6701-39851E620360}"/>
+              </a:ext>
+            </a:extLst>
+          </p:cNvPr>
+          <p:cNvSpPr txBox="1">
+            <a:spLocks/>
+          </p:cNvSpPr>
+          <p:nvPr/>
+        </p:nvSpPr>
+        <p:spPr>
+          <a:xfrm>
+            <a:off x="2113751" y="6177046"/>
+            <a:ext cx="8217780" cy="504445"/>
+          </a:xfrm>
+          <a:prstGeom prst="rect">
+            <a:avLst/>
+          </a:prstGeom>
+        </p:spPr>
+        <p:txBody>
+          <a:bodyPr vert="horz" lIns="0" tIns="45720" rIns="91440" bIns="45720" numCol="1" spcCol="365760" rtlCol="0">
+            <a:noAutofit/>
+          </a:bodyPr>
+          <a:lstStyle>
+            <a:lvl1pPr marL="0" indent="0" algn="ctr" defTabSz="914400" rtl="0" eaLnBrk="1" latinLnBrk="0" hangingPunct="1">
+              <a:lnSpc>
+                <a:spcPct val="90000"/>
+              </a:lnSpc>
+              <a:spcBef>
+                <a:spcPts val="1000"/>
+              </a:spcBef>
+              <a:buFont typeface="Arial" panose="020B0604020202020204" pitchFamily="34" charset="0"/>
+              <a:buNone/>
+              <a:defRPr sz="2400" kern="1200">
+                <a:solidFill>
+                  <a:schemeClr val="tx1"/>
+                </a:solidFill>
+                <a:latin typeface="+mn-lt"/>
+                <a:ea typeface="+mn-ea"/>
+                <a:cs typeface="+mn-cs"/>
+              </a:defRPr>
+            </a:lvl1pPr>
+            <a:lvl2pPr marL="457200" indent="0" algn="ctr" defTabSz="914400" rtl="0" eaLnBrk="1" latinLnBrk="0" hangingPunct="1">
+              <a:lnSpc>
+                <a:spcPct val="90000"/>
+              </a:lnSpc>
+              <a:spcBef>
+                <a:spcPts val="500"/>
+              </a:spcBef>
+              <a:buFont typeface="Arial" panose="020B0604020202020204" pitchFamily="34" charset="0"/>
+              <a:buNone/>
+              <a:defRPr sz="2000" kern="1200">
+                <a:solidFill>
+                  <a:schemeClr val="tx1"/>
+                </a:solidFill>
+                <a:latin typeface="+mn-lt"/>
+                <a:ea typeface="+mn-ea"/>
+                <a:cs typeface="+mn-cs"/>
+              </a:defRPr>
+            </a:lvl2pPr>
+            <a:lvl3pPr marL="914400" indent="0" algn="ctr" defTabSz="914400" rtl="0" eaLnBrk="1" latinLnBrk="0" hangingPunct="1">
+              <a:lnSpc>
+                <a:spcPct val="90000"/>
+              </a:lnSpc>
+              <a:spcBef>
+                <a:spcPts val="500"/>
+              </a:spcBef>
+              <a:buFont typeface="Arial" panose="020B0604020202020204" pitchFamily="34" charset="0"/>
+              <a:buNone/>
+              <a:defRPr sz="1800" kern="1200">
+                <a:solidFill>
+                  <a:schemeClr val="tx1"/>
+                </a:solidFill>
+                <a:latin typeface="+mn-lt"/>
+                <a:ea typeface="+mn-ea"/>
+                <a:cs typeface="+mn-cs"/>
+              </a:defRPr>
+            </a:lvl3pPr>
+            <a:lvl4pPr marL="1371600" indent="0" algn="ctr" defTabSz="914400" rtl="0" eaLnBrk="1" latinLnBrk="0" hangingPunct="1">
+              <a:lnSpc>
+                <a:spcPct val="90000"/>
+              </a:lnSpc>
+              <a:spcBef>
+                <a:spcPts val="500"/>
+              </a:spcBef>
+              <a:buFont typeface="Arial" panose="020B0604020202020204" pitchFamily="34" charset="0"/>
+              <a:buNone/>
+              <a:defRPr sz="1600" kern="1200">
+                <a:solidFill>
+                  <a:schemeClr val="tx1"/>
+                </a:solidFill>
+                <a:latin typeface="+mn-lt"/>
+                <a:ea typeface="+mn-ea"/>
+                <a:cs typeface="+mn-cs"/>
+              </a:defRPr>
+            </a:lvl4pPr>
+            <a:lvl5pPr marL="1828800" indent="0" algn="ctr" defTabSz="914400" rtl="0" eaLnBrk="1" latinLnBrk="0" hangingPunct="1">
+              <a:lnSpc>
+                <a:spcPct val="90000"/>
+              </a:lnSpc>
+              <a:spcBef>
+                <a:spcPts val="500"/>
+              </a:spcBef>
+              <a:buFont typeface="Arial" panose="020B0604020202020204" pitchFamily="34" charset="0"/>
+              <a:buNone/>
+              <a:defRPr sz="1600" kern="1200">
+                <a:solidFill>
+                  <a:schemeClr val="tx1"/>
+                </a:solidFill>
+                <a:latin typeface="+mn-lt"/>
+                <a:ea typeface="+mn-ea"/>
+                <a:cs typeface="+mn-cs"/>
+              </a:defRPr>
+            </a:lvl5pPr>
+            <a:lvl6pPr marL="2286000" indent="0" algn="ctr" defTabSz="914400" rtl="0" eaLnBrk="1" latinLnBrk="0" hangingPunct="1">
+              <a:lnSpc>
+                <a:spcPct val="90000"/>
+              </a:lnSpc>
+              <a:spcBef>
+                <a:spcPts val="500"/>
+              </a:spcBef>
+              <a:buFont typeface="Arial" panose="020B0604020202020204" pitchFamily="34" charset="0"/>
+              <a:buNone/>
+              <a:defRPr sz="1600" kern="1200">
+                <a:solidFill>
+                  <a:schemeClr val="tx1"/>
+                </a:solidFill>
+                <a:latin typeface="+mn-lt"/>
+                <a:ea typeface="+mn-ea"/>
+                <a:cs typeface="+mn-cs"/>
+              </a:defRPr>
+            </a:lvl6pPr>
+            <a:lvl7pPr marL="2743200" indent="0" algn="ctr" defTabSz="914400" rtl="0" eaLnBrk="1" latinLnBrk="0" hangingPunct="1">
+              <a:lnSpc>
+                <a:spcPct val="90000"/>
+              </a:lnSpc>
+              <a:spcBef>
+                <a:spcPts val="500"/>
+              </a:spcBef>
+              <a:buFont typeface="Arial" panose="020B0604020202020204" pitchFamily="34" charset="0"/>
+              <a:buNone/>
+              <a:defRPr sz="1600" kern="1200">
+                <a:solidFill>
+                  <a:schemeClr val="tx1"/>
+                </a:solidFill>
+                <a:latin typeface="+mn-lt"/>
+                <a:ea typeface="+mn-ea"/>
+                <a:cs typeface="+mn-cs"/>
+              </a:defRPr>
+            </a:lvl7pPr>
+            <a:lvl8pPr marL="3200400" indent="0" algn="ctr" defTabSz="914400" rtl="0" eaLnBrk="1" latinLnBrk="0" hangingPunct="1">
+              <a:lnSpc>
+                <a:spcPct val="90000"/>
+              </a:lnSpc>
+              <a:spcBef>
+                <a:spcPts val="500"/>
+              </a:spcBef>
+              <a:buFont typeface="Arial" panose="020B0604020202020204" pitchFamily="34" charset="0"/>
+              <a:buNone/>
+              <a:defRPr sz="1600" kern="1200">
+                <a:solidFill>
+                  <a:schemeClr val="tx1"/>
+                </a:solidFill>
+                <a:latin typeface="+mn-lt"/>
+                <a:ea typeface="+mn-ea"/>
+                <a:cs typeface="+mn-cs"/>
+              </a:defRPr>
+            </a:lvl8pPr>
+            <a:lvl9pPr marL="3657600" indent="0" algn="ctr" defTabSz="914400" rtl="0" eaLnBrk="1" latinLnBrk="0" hangingPunct="1">
+              <a:lnSpc>
+                <a:spcPct val="90000"/>
+              </a:lnSpc>
+              <a:spcBef>
+                <a:spcPts val="500"/>
+              </a:spcBef>
+              <a:buFont typeface="Arial" panose="020B0604020202020204" pitchFamily="34" charset="0"/>
+              <a:buNone/>
+              <a:defRPr sz="1600" kern="1200">
+                <a:solidFill>
+                  <a:schemeClr val="tx1"/>
+                </a:solidFill>
+                <a:latin typeface="+mn-lt"/>
+                <a:ea typeface="+mn-ea"/>
+                <a:cs typeface="+mn-cs"/>
+              </a:defRPr>
+            </a:lvl9pPr>
+          </a:lstStyle>
+          <a:p>
+            <a:pPr>
+              <a:lnSpc>
+                <a:spcPct val="100000"/>
+              </a:lnSpc>
+            </a:pPr>
+            <a:r>
+              <a:rPr lang="en-US" sz="1800" b="1" i="1" dirty="0">
+                <a:solidFill>
+                  <a:schemeClr val="bg2">
+                    <a:lumMod val="25000"/>
+                  </a:schemeClr>
+                </a:solidFill>
+                <a:latin typeface="Corbel" panose="020B0503020204020204" pitchFamily="34" charset="0"/>
+              </a:rPr>
+              <a:t>Control groups find qualitatively similar and significant results.</a:t>
             </a:r>
           </a:p>
         </p:txBody>
@@ -29402,8 +29900,8 @@
           </a:p>
         </p:txBody>
       </p:sp>
-      <mc:AlternateContent xmlns:mc="http://schemas.openxmlformats.org/markup-compatibility/2006">
-        <mc:Choice xmlns:a14="http://schemas.microsoft.com/office/drawing/2010/main" Requires="a14">
+      <mc:AlternateContent xmlns:mc="http://schemas.openxmlformats.org/markup-compatibility/2006" xmlns:a14="http://schemas.microsoft.com/office/drawing/2010/main">
+        <mc:Choice Requires="a14">
           <p:sp>
             <p:nvSpPr>
               <p:cNvPr id="6" name="Subtitle 2">
@@ -30144,7 +30642,29 @@
                     </a:solidFill>
                     <a:latin typeface="Corbel" panose="020B0503020204020204" pitchFamily="34" charset="0"/>
                   </a:rPr>
-                  <a:t>Rather, it resembles and option-like payoff structure,</a:t>
+                  <a:t>Rather, it </a:t>
+                </a:r>
+                <a:r>
+                  <a:rPr lang="en-US" sz="1800">
+                    <a:solidFill>
+                      <a:schemeClr val="bg2">
+                        <a:lumMod val="25000"/>
+                      </a:schemeClr>
+                    </a:solidFill>
+                    <a:latin typeface="Corbel" panose="020B0503020204020204" pitchFamily="34" charset="0"/>
+                  </a:rPr>
+                  <a:t>resembles an </a:t>
+                </a:r>
+                <a:r>
+                  <a:rPr lang="en-US" sz="1800" dirty="0">
+                    <a:solidFill>
+                      <a:schemeClr val="bg2">
+                        <a:lumMod val="25000"/>
+                      </a:schemeClr>
+                    </a:solidFill>
+                    <a:latin typeface="Corbel" panose="020B0503020204020204" pitchFamily="34" charset="0"/>
+                  </a:rPr>
+                  <a:t>option-like payoff structure,</a:t>
                 </a:r>
               </a:p>
               <a:p>
@@ -30312,7 +30832,7 @@
             </p:txBody>
           </p:sp>
         </mc:Choice>
-        <mc:Fallback>
+        <mc:Fallback xmlns="">
           <p:sp>
             <p:nvSpPr>
               <p:cNvPr id="6" name="Subtitle 2">
@@ -32010,7 +32530,7 @@
                 </a:solidFill>
                 <a:latin typeface="Corbel" panose="020B0503020204020204" pitchFamily="34" charset="0"/>
               </a:rPr>
-              <a:t>“One we acknowledge that collecting and processing information are costly activities, we predict that </a:t>
+              <a:t>“Once we acknowledge that collecting and processing information are costly activities, we predict that </a:t>
             </a:r>
             <a:r>
               <a:rPr lang="en-US" sz="1800" b="1" i="1" dirty="0">
